--- a/Commun/PrésentationPowerPoint.pptx
+++ b/Commun/PrésentationPowerPoint.pptx
@@ -111,7 +111,16 @@
       </a:defRPr>
     </a:lvl9pPr>
   </p:defaultTextStyle>
+  <p:extLst>
+    <p:ext uri="{EFAFB233-063F-42B5-8137-9DF3F51BA10A}">
+      <p15:sldGuideLst xmlns:p15="http://schemas.microsoft.com/office/powerpoint/2012/main"/>
+    </p:ext>
+  </p:extLst>
 </p:presentation>
+</file>
+
+<file path=ppt/revisionInfo.xml><?xml version="1.0" encoding="utf-8"?>
+<p1510:revInfo xmlns:a="http://schemas.openxmlformats.org/drawingml/2006/main" xmlns:r="http://schemas.openxmlformats.org/officeDocument/2006/relationships" xmlns:p1510="http://schemas.microsoft.com/office/powerpoint/2015/10/main"/>
 </file>
 
 <file path=ppt/slideLayouts/slideLayout1.xml><?xml version="1.0" encoding="utf-8"?>
@@ -290,7 +299,7 @@
           </a:lstStyle>
           <a:p>
             <a:r>
-              <a:rPr lang="fr-FR" smtClean="0"/>
+              <a:rPr lang="fr-FR"/>
               <a:t>Modifiez le style du titre</a:t>
             </a:r>
             <a:endParaRPr lang="en-US" dirty="0"/>
@@ -410,7 +419,7 @@
           </a:lstStyle>
           <a:p>
             <a:r>
-              <a:rPr lang="fr-FR" smtClean="0"/>
+              <a:rPr lang="fr-FR"/>
               <a:t>Modifiez le style des sous-titres du masque</a:t>
             </a:r>
             <a:endParaRPr lang="en-US" dirty="0"/>
@@ -449,7 +458,7 @@
           <a:p>
             <a:fld id="{285030BD-A9CB-4642-A2F7-CBDDFBEFA093}" type="datetimeFigureOut">
               <a:rPr lang="fr-CA" smtClean="0"/>
-              <a:t>2017-04-23</a:t>
+              <a:t>2017-05-04</a:t>
             </a:fld>
             <a:endParaRPr lang="fr-CA"/>
           </a:p>
@@ -1360,7 +1369,7 @@
           </a:lstStyle>
           <a:p>
             <a:r>
-              <a:rPr lang="fr-FR" smtClean="0"/>
+              <a:rPr lang="fr-FR"/>
               <a:t>Modifiez le style du titre</a:t>
             </a:r>
             <a:endParaRPr lang="en-US" dirty="0"/>
@@ -1439,7 +1448,7 @@
           </a:lstStyle>
           <a:p>
             <a:r>
-              <a:rPr lang="fr-FR" smtClean="0"/>
+              <a:rPr lang="fr-FR"/>
               <a:t>Cliquez sur l'icône pour ajouter une image</a:t>
             </a:r>
             <a:endParaRPr lang="en-US" dirty="0"/>
@@ -1514,7 +1523,7 @@
           <a:p>
             <a:pPr lvl="0"/>
             <a:r>
-              <a:rPr lang="fr-FR" smtClean="0"/>
+              <a:rPr lang="fr-FR"/>
               <a:t>Modifiez les styles du texte du masque</a:t>
             </a:r>
           </a:p>
@@ -1537,7 +1546,7 @@
           <a:p>
             <a:fld id="{285030BD-A9CB-4642-A2F7-CBDDFBEFA093}" type="datetimeFigureOut">
               <a:rPr lang="fr-CA" smtClean="0"/>
-              <a:t>2017-04-23</a:t>
+              <a:t>2017-05-04</a:t>
             </a:fld>
             <a:endParaRPr lang="fr-CA"/>
           </a:p>
@@ -2426,7 +2435,7 @@
           </a:lstStyle>
           <a:p>
             <a:r>
-              <a:rPr lang="fr-FR" smtClean="0"/>
+              <a:rPr lang="fr-FR"/>
               <a:t>Modifiez le style du titre</a:t>
             </a:r>
             <a:endParaRPr lang="en-US" dirty="0"/>
@@ -2494,7 +2503,7 @@
           <a:p>
             <a:pPr lvl="0"/>
             <a:r>
-              <a:rPr lang="fr-FR" smtClean="0"/>
+              <a:rPr lang="fr-FR"/>
               <a:t>Modifiez les styles du texte du masque</a:t>
             </a:r>
           </a:p>
@@ -2517,7 +2526,7 @@
           <a:p>
             <a:fld id="{285030BD-A9CB-4642-A2F7-CBDDFBEFA093}" type="datetimeFigureOut">
               <a:rPr lang="fr-CA" smtClean="0"/>
-              <a:t>2017-04-23</a:t>
+              <a:t>2017-05-04</a:t>
             </a:fld>
             <a:endParaRPr lang="fr-CA"/>
           </a:p>
@@ -3484,7 +3493,7 @@
           </a:lstStyle>
           <a:p>
             <a:r>
-              <a:rPr lang="fr-FR" smtClean="0"/>
+              <a:rPr lang="fr-FR"/>
               <a:t>Modifiez le style du titre</a:t>
             </a:r>
             <a:endParaRPr lang="en-US" dirty="0"/>
@@ -3561,7 +3570,7 @@
           <a:p>
             <a:pPr lvl="0"/>
             <a:r>
-              <a:rPr lang="fr-FR" smtClean="0"/>
+              <a:rPr lang="fr-FR"/>
               <a:t>Modifiez les styles du texte du masque</a:t>
             </a:r>
           </a:p>
@@ -3628,7 +3637,7 @@
           <a:p>
             <a:pPr lvl="0"/>
             <a:r>
-              <a:rPr lang="fr-FR" smtClean="0"/>
+              <a:rPr lang="fr-FR"/>
               <a:t>Modifiez les styles du texte du masque</a:t>
             </a:r>
           </a:p>
@@ -3651,7 +3660,7 @@
           <a:p>
             <a:fld id="{285030BD-A9CB-4642-A2F7-CBDDFBEFA093}" type="datetimeFigureOut">
               <a:rPr lang="fr-CA" smtClean="0"/>
-              <a:t>2017-04-23</a:t>
+              <a:t>2017-05-04</a:t>
             </a:fld>
             <a:endParaRPr lang="fr-CA"/>
           </a:p>
@@ -4540,7 +4549,7 @@
           </a:lstStyle>
           <a:p>
             <a:r>
-              <a:rPr lang="fr-FR" smtClean="0"/>
+              <a:rPr lang="fr-FR"/>
               <a:t>Modifiez le style du titre</a:t>
             </a:r>
             <a:endParaRPr lang="en-US" dirty="0"/>
@@ -4661,7 +4670,7 @@
           <a:p>
             <a:pPr lvl="0"/>
             <a:r>
-              <a:rPr lang="fr-FR" smtClean="0"/>
+              <a:rPr lang="fr-FR"/>
               <a:t>Modifiez les styles du texte du masque</a:t>
             </a:r>
           </a:p>
@@ -4684,7 +4693,7 @@
           <a:p>
             <a:fld id="{285030BD-A9CB-4642-A2F7-CBDDFBEFA093}" type="datetimeFigureOut">
               <a:rPr lang="fr-CA" smtClean="0"/>
-              <a:t>2017-04-23</a:t>
+              <a:t>2017-05-04</a:t>
             </a:fld>
             <a:endParaRPr lang="fr-CA"/>
           </a:p>
@@ -4823,7 +4832,7 @@
           </a:lstStyle>
           <a:p>
             <a:r>
-              <a:rPr lang="fr-FR" smtClean="0"/>
+              <a:rPr lang="fr-FR"/>
               <a:t>Modifiez le style du titre</a:t>
             </a:r>
             <a:endParaRPr lang="en-US" dirty="0"/>
@@ -4898,7 +4907,7 @@
           <a:p>
             <a:pPr lvl="0"/>
             <a:r>
-              <a:rPr lang="fr-FR" smtClean="0"/>
+              <a:rPr lang="fr-FR"/>
               <a:t>Modifiez les styles du texte du masque</a:t>
             </a:r>
           </a:p>
@@ -4965,7 +4974,7 @@
           <a:p>
             <a:pPr lvl="0"/>
             <a:r>
-              <a:rPr lang="fr-FR" smtClean="0"/>
+              <a:rPr lang="fr-FR"/>
               <a:t>Modifiez les styles du texte du masque</a:t>
             </a:r>
           </a:p>
@@ -5039,7 +5048,7 @@
           <a:p>
             <a:pPr lvl="0"/>
             <a:r>
-              <a:rPr lang="fr-FR" smtClean="0"/>
+              <a:rPr lang="fr-FR"/>
               <a:t>Modifiez les styles du texte du masque</a:t>
             </a:r>
           </a:p>
@@ -5106,7 +5115,7 @@
           <a:p>
             <a:pPr lvl="0"/>
             <a:r>
-              <a:rPr lang="fr-FR" smtClean="0"/>
+              <a:rPr lang="fr-FR"/>
               <a:t>Modifiez les styles du texte du masque</a:t>
             </a:r>
           </a:p>
@@ -5180,7 +5189,7 @@
           <a:p>
             <a:pPr lvl="0"/>
             <a:r>
-              <a:rPr lang="fr-FR" smtClean="0"/>
+              <a:rPr lang="fr-FR"/>
               <a:t>Modifiez les styles du texte du masque</a:t>
             </a:r>
           </a:p>
@@ -5247,7 +5256,7 @@
           <a:p>
             <a:pPr lvl="0"/>
             <a:r>
-              <a:rPr lang="fr-FR" smtClean="0"/>
+              <a:rPr lang="fr-FR"/>
               <a:t>Modifiez les styles du texte du masque</a:t>
             </a:r>
           </a:p>
@@ -5344,7 +5353,7 @@
           <a:p>
             <a:fld id="{285030BD-A9CB-4642-A2F7-CBDDFBEFA093}" type="datetimeFigureOut">
               <a:rPr lang="fr-CA" smtClean="0"/>
-              <a:t>2017-04-23</a:t>
+              <a:t>2017-05-04</a:t>
             </a:fld>
             <a:endParaRPr lang="fr-CA"/>
           </a:p>
@@ -5447,7 +5456,7 @@
           </a:lstStyle>
           <a:p>
             <a:r>
-              <a:rPr lang="fr-FR" smtClean="0"/>
+              <a:rPr lang="fr-FR"/>
               <a:t>Modifiez le style du titre</a:t>
             </a:r>
             <a:endParaRPr lang="en-US" dirty="0"/>
@@ -5522,7 +5531,7 @@
           <a:p>
             <a:pPr lvl="0"/>
             <a:r>
-              <a:rPr lang="fr-FR" smtClean="0"/>
+              <a:rPr lang="fr-FR"/>
               <a:t>Modifiez les styles du texte du masque</a:t>
             </a:r>
           </a:p>
@@ -5600,7 +5609,7 @@
           </a:lstStyle>
           <a:p>
             <a:r>
-              <a:rPr lang="fr-FR" smtClean="0"/>
+              <a:rPr lang="fr-FR"/>
               <a:t>Cliquez sur l'icône pour ajouter une image</a:t>
             </a:r>
             <a:endParaRPr lang="en-US" dirty="0"/>
@@ -5668,7 +5677,7 @@
           <a:p>
             <a:pPr lvl="0"/>
             <a:r>
-              <a:rPr lang="fr-FR" smtClean="0"/>
+              <a:rPr lang="fr-FR"/>
               <a:t>Modifiez les styles du texte du masque</a:t>
             </a:r>
           </a:p>
@@ -5742,7 +5751,7 @@
           <a:p>
             <a:pPr lvl="0"/>
             <a:r>
-              <a:rPr lang="fr-FR" smtClean="0"/>
+              <a:rPr lang="fr-FR"/>
               <a:t>Modifiez les styles du texte du masque</a:t>
             </a:r>
           </a:p>
@@ -5820,7 +5829,7 @@
           </a:lstStyle>
           <a:p>
             <a:r>
-              <a:rPr lang="fr-FR" smtClean="0"/>
+              <a:rPr lang="fr-FR"/>
               <a:t>Cliquez sur l'icône pour ajouter une image</a:t>
             </a:r>
             <a:endParaRPr lang="en-US" dirty="0"/>
@@ -5888,7 +5897,7 @@
           <a:p>
             <a:pPr lvl="0"/>
             <a:r>
-              <a:rPr lang="fr-FR" smtClean="0"/>
+              <a:rPr lang="fr-FR"/>
               <a:t>Modifiez les styles du texte du masque</a:t>
             </a:r>
           </a:p>
@@ -5962,7 +5971,7 @@
           <a:p>
             <a:pPr lvl="0"/>
             <a:r>
-              <a:rPr lang="fr-FR" smtClean="0"/>
+              <a:rPr lang="fr-FR"/>
               <a:t>Modifiez les styles du texte du masque</a:t>
             </a:r>
           </a:p>
@@ -6040,7 +6049,7 @@
           </a:lstStyle>
           <a:p>
             <a:r>
-              <a:rPr lang="fr-FR" smtClean="0"/>
+              <a:rPr lang="fr-FR"/>
               <a:t>Cliquez sur l'icône pour ajouter une image</a:t>
             </a:r>
             <a:endParaRPr lang="en-US" dirty="0"/>
@@ -6108,7 +6117,7 @@
           <a:p>
             <a:pPr lvl="0"/>
             <a:r>
-              <a:rPr lang="fr-FR" smtClean="0"/>
+              <a:rPr lang="fr-FR"/>
               <a:t>Modifiez les styles du texte du masque</a:t>
             </a:r>
           </a:p>
@@ -6205,7 +6214,7 @@
           <a:p>
             <a:fld id="{285030BD-A9CB-4642-A2F7-CBDDFBEFA093}" type="datetimeFigureOut">
               <a:rPr lang="fr-CA" smtClean="0"/>
-              <a:t>2017-04-23</a:t>
+              <a:t>2017-05-04</a:t>
             </a:fld>
             <a:endParaRPr lang="fr-CA"/>
           </a:p>
@@ -6309,7 +6318,7 @@
           <a:lstStyle/>
           <a:p>
             <a:r>
-              <a:rPr lang="fr-FR" smtClean="0"/>
+              <a:rPr lang="fr-FR"/>
               <a:t>Modifiez le style du titre</a:t>
             </a:r>
             <a:endParaRPr lang="en-US" dirty="0"/>
@@ -6338,35 +6347,35 @@
           <a:p>
             <a:pPr lvl="0"/>
             <a:r>
-              <a:rPr lang="fr-FR" smtClean="0"/>
+              <a:rPr lang="fr-FR"/>
               <a:t>Modifiez les styles du texte du masque</a:t>
             </a:r>
           </a:p>
           <a:p>
             <a:pPr lvl="1"/>
             <a:r>
-              <a:rPr lang="fr-FR" smtClean="0"/>
+              <a:rPr lang="fr-FR"/>
               <a:t>Deuxième niveau</a:t>
             </a:r>
           </a:p>
           <a:p>
             <a:pPr lvl="2"/>
             <a:r>
-              <a:rPr lang="fr-FR" smtClean="0"/>
+              <a:rPr lang="fr-FR"/>
               <a:t>Troisième niveau</a:t>
             </a:r>
           </a:p>
           <a:p>
             <a:pPr lvl="3"/>
             <a:r>
-              <a:rPr lang="fr-FR" smtClean="0"/>
+              <a:rPr lang="fr-FR"/>
               <a:t>Quatrième niveau</a:t>
             </a:r>
           </a:p>
           <a:p>
             <a:pPr lvl="4"/>
             <a:r>
-              <a:rPr lang="fr-FR" smtClean="0"/>
+              <a:rPr lang="fr-FR"/>
               <a:t>Cinquième niveau</a:t>
             </a:r>
             <a:endParaRPr lang="en-US" dirty="0"/>
@@ -6395,7 +6404,7 @@
           <a:p>
             <a:fld id="{285030BD-A9CB-4642-A2F7-CBDDFBEFA093}" type="datetimeFigureOut">
               <a:rPr lang="fr-CA" smtClean="0"/>
-              <a:t>2017-04-23</a:t>
+              <a:t>2017-05-04</a:t>
             </a:fld>
             <a:endParaRPr lang="fr-CA"/>
           </a:p>
@@ -7281,7 +7290,7 @@
           <a:lstStyle/>
           <a:p>
             <a:r>
-              <a:rPr lang="fr-FR" smtClean="0"/>
+              <a:rPr lang="fr-FR"/>
               <a:t>Modifiez le style du titre</a:t>
             </a:r>
             <a:endParaRPr lang="en-US" dirty="0"/>
@@ -7310,35 +7319,35 @@
           <a:p>
             <a:pPr lvl="0"/>
             <a:r>
-              <a:rPr lang="fr-FR" smtClean="0"/>
+              <a:rPr lang="fr-FR"/>
               <a:t>Modifiez les styles du texte du masque</a:t>
             </a:r>
           </a:p>
           <a:p>
             <a:pPr lvl="1"/>
             <a:r>
-              <a:rPr lang="fr-FR" smtClean="0"/>
+              <a:rPr lang="fr-FR"/>
               <a:t>Deuxième niveau</a:t>
             </a:r>
           </a:p>
           <a:p>
             <a:pPr lvl="2"/>
             <a:r>
-              <a:rPr lang="fr-FR" smtClean="0"/>
+              <a:rPr lang="fr-FR"/>
               <a:t>Troisième niveau</a:t>
             </a:r>
           </a:p>
           <a:p>
             <a:pPr lvl="3"/>
             <a:r>
-              <a:rPr lang="fr-FR" smtClean="0"/>
+              <a:rPr lang="fr-FR"/>
               <a:t>Quatrième niveau</a:t>
             </a:r>
           </a:p>
           <a:p>
             <a:pPr lvl="4"/>
             <a:r>
-              <a:rPr lang="fr-FR" smtClean="0"/>
+              <a:rPr lang="fr-FR"/>
               <a:t>Cinquième niveau</a:t>
             </a:r>
             <a:endParaRPr lang="en-US" dirty="0"/>
@@ -7367,7 +7376,7 @@
           <a:p>
             <a:fld id="{285030BD-A9CB-4642-A2F7-CBDDFBEFA093}" type="datetimeFigureOut">
               <a:rPr lang="fr-CA" smtClean="0"/>
-              <a:t>2017-04-23</a:t>
+              <a:t>2017-05-04</a:t>
             </a:fld>
             <a:endParaRPr lang="fr-CA"/>
           </a:p>
@@ -7497,7 +7506,7 @@
           <a:lstStyle/>
           <a:p>
             <a:r>
-              <a:rPr lang="fr-FR" smtClean="0"/>
+              <a:rPr lang="fr-FR"/>
               <a:t>Modifiez le style du titre</a:t>
             </a:r>
             <a:endParaRPr lang="en-US" dirty="0"/>
@@ -7526,35 +7535,35 @@
           <a:p>
             <a:pPr lvl="0"/>
             <a:r>
-              <a:rPr lang="fr-FR" smtClean="0"/>
+              <a:rPr lang="fr-FR"/>
               <a:t>Modifiez les styles du texte du masque</a:t>
             </a:r>
           </a:p>
           <a:p>
             <a:pPr lvl="1"/>
             <a:r>
-              <a:rPr lang="fr-FR" smtClean="0"/>
+              <a:rPr lang="fr-FR"/>
               <a:t>Deuxième niveau</a:t>
             </a:r>
           </a:p>
           <a:p>
             <a:pPr lvl="2"/>
             <a:r>
-              <a:rPr lang="fr-FR" smtClean="0"/>
+              <a:rPr lang="fr-FR"/>
               <a:t>Troisième niveau</a:t>
             </a:r>
           </a:p>
           <a:p>
             <a:pPr lvl="3"/>
             <a:r>
-              <a:rPr lang="fr-FR" smtClean="0"/>
+              <a:rPr lang="fr-FR"/>
               <a:t>Quatrième niveau</a:t>
             </a:r>
           </a:p>
           <a:p>
             <a:pPr lvl="4"/>
             <a:r>
-              <a:rPr lang="fr-FR" smtClean="0"/>
+              <a:rPr lang="fr-FR"/>
               <a:t>Cinquième niveau</a:t>
             </a:r>
             <a:endParaRPr lang="en-US" dirty="0"/>
@@ -7578,7 +7587,7 @@
           <a:p>
             <a:fld id="{285030BD-A9CB-4642-A2F7-CBDDFBEFA093}" type="datetimeFigureOut">
               <a:rPr lang="fr-CA" smtClean="0"/>
-              <a:t>2017-04-23</a:t>
+              <a:t>2017-05-04</a:t>
             </a:fld>
             <a:endParaRPr lang="fr-CA"/>
           </a:p>
@@ -8468,7 +8477,7 @@
           </a:lstStyle>
           <a:p>
             <a:r>
-              <a:rPr lang="fr-FR" smtClean="0"/>
+              <a:rPr lang="fr-FR"/>
               <a:t>Modifiez le style du titre</a:t>
             </a:r>
             <a:endParaRPr lang="en-US" dirty="0"/>
@@ -8589,7 +8598,7 @@
           <a:p>
             <a:pPr lvl="0"/>
             <a:r>
-              <a:rPr lang="fr-FR" smtClean="0"/>
+              <a:rPr lang="fr-FR"/>
               <a:t>Modifiez les styles du texte du masque</a:t>
             </a:r>
           </a:p>
@@ -8612,7 +8621,7 @@
           <a:p>
             <a:fld id="{285030BD-A9CB-4642-A2F7-CBDDFBEFA093}" type="datetimeFigureOut">
               <a:rPr lang="fr-CA" smtClean="0"/>
-              <a:t>2017-04-23</a:t>
+              <a:t>2017-05-04</a:t>
             </a:fld>
             <a:endParaRPr lang="fr-CA"/>
           </a:p>
@@ -8742,7 +8751,7 @@
           <a:lstStyle/>
           <a:p>
             <a:r>
-              <a:rPr lang="fr-FR" smtClean="0"/>
+              <a:rPr lang="fr-FR"/>
               <a:t>Modifiez le style du titre</a:t>
             </a:r>
             <a:endParaRPr lang="en-US" dirty="0"/>
@@ -8773,35 +8782,35 @@
           <a:p>
             <a:pPr lvl="0"/>
             <a:r>
-              <a:rPr lang="fr-FR" smtClean="0"/>
+              <a:rPr lang="fr-FR"/>
               <a:t>Modifiez les styles du texte du masque</a:t>
             </a:r>
           </a:p>
           <a:p>
             <a:pPr lvl="1"/>
             <a:r>
-              <a:rPr lang="fr-FR" smtClean="0"/>
+              <a:rPr lang="fr-FR"/>
               <a:t>Deuxième niveau</a:t>
             </a:r>
           </a:p>
           <a:p>
             <a:pPr lvl="2"/>
             <a:r>
-              <a:rPr lang="fr-FR" smtClean="0"/>
+              <a:rPr lang="fr-FR"/>
               <a:t>Troisième niveau</a:t>
             </a:r>
           </a:p>
           <a:p>
             <a:pPr lvl="3"/>
             <a:r>
-              <a:rPr lang="fr-FR" smtClean="0"/>
+              <a:rPr lang="fr-FR"/>
               <a:t>Quatrième niveau</a:t>
             </a:r>
           </a:p>
           <a:p>
             <a:pPr lvl="4"/>
             <a:r>
-              <a:rPr lang="fr-FR" smtClean="0"/>
+              <a:rPr lang="fr-FR"/>
               <a:t>Cinquième niveau</a:t>
             </a:r>
             <a:endParaRPr lang="en-US" dirty="0"/>
@@ -8832,35 +8841,35 @@
           <a:p>
             <a:pPr lvl="0"/>
             <a:r>
-              <a:rPr lang="fr-FR" smtClean="0"/>
+              <a:rPr lang="fr-FR"/>
               <a:t>Modifiez les styles du texte du masque</a:t>
             </a:r>
           </a:p>
           <a:p>
             <a:pPr lvl="1"/>
             <a:r>
-              <a:rPr lang="fr-FR" smtClean="0"/>
+              <a:rPr lang="fr-FR"/>
               <a:t>Deuxième niveau</a:t>
             </a:r>
           </a:p>
           <a:p>
             <a:pPr lvl="2"/>
             <a:r>
-              <a:rPr lang="fr-FR" smtClean="0"/>
+              <a:rPr lang="fr-FR"/>
               <a:t>Troisième niveau</a:t>
             </a:r>
           </a:p>
           <a:p>
             <a:pPr lvl="3"/>
             <a:r>
-              <a:rPr lang="fr-FR" smtClean="0"/>
+              <a:rPr lang="fr-FR"/>
               <a:t>Quatrième niveau</a:t>
             </a:r>
           </a:p>
           <a:p>
             <a:pPr lvl="4"/>
             <a:r>
-              <a:rPr lang="fr-FR" smtClean="0"/>
+              <a:rPr lang="fr-FR"/>
               <a:t>Cinquième niveau</a:t>
             </a:r>
             <a:endParaRPr lang="en-US" dirty="0"/>
@@ -8884,7 +8893,7 @@
           <a:p>
             <a:fld id="{285030BD-A9CB-4642-A2F7-CBDDFBEFA093}" type="datetimeFigureOut">
               <a:rPr lang="fr-CA" smtClean="0"/>
-              <a:t>2017-04-23</a:t>
+              <a:t>2017-05-04</a:t>
             </a:fld>
             <a:endParaRPr lang="fr-CA"/>
           </a:p>
@@ -8982,7 +8991,7 @@
           </a:lstStyle>
           <a:p>
             <a:r>
-              <a:rPr lang="fr-FR" smtClean="0"/>
+              <a:rPr lang="fr-FR"/>
               <a:t>Modifiez le style du titre</a:t>
             </a:r>
             <a:endParaRPr lang="en-US" dirty="0"/>
@@ -9054,7 +9063,7 @@
           <a:p>
             <a:pPr lvl="0"/>
             <a:r>
-              <a:rPr lang="fr-FR" smtClean="0"/>
+              <a:rPr lang="fr-FR"/>
               <a:t>Modifiez les styles du texte du masque</a:t>
             </a:r>
           </a:p>
@@ -9084,35 +9093,35 @@
           <a:p>
             <a:pPr lvl="0"/>
             <a:r>
-              <a:rPr lang="fr-FR" smtClean="0"/>
+              <a:rPr lang="fr-FR"/>
               <a:t>Modifiez les styles du texte du masque</a:t>
             </a:r>
           </a:p>
           <a:p>
             <a:pPr lvl="1"/>
             <a:r>
-              <a:rPr lang="fr-FR" smtClean="0"/>
+              <a:rPr lang="fr-FR"/>
               <a:t>Deuxième niveau</a:t>
             </a:r>
           </a:p>
           <a:p>
             <a:pPr lvl="2"/>
             <a:r>
-              <a:rPr lang="fr-FR" smtClean="0"/>
+              <a:rPr lang="fr-FR"/>
               <a:t>Troisième niveau</a:t>
             </a:r>
           </a:p>
           <a:p>
             <a:pPr lvl="3"/>
             <a:r>
-              <a:rPr lang="fr-FR" smtClean="0"/>
+              <a:rPr lang="fr-FR"/>
               <a:t>Quatrième niveau</a:t>
             </a:r>
           </a:p>
           <a:p>
             <a:pPr lvl="4"/>
             <a:r>
-              <a:rPr lang="fr-FR" smtClean="0"/>
+              <a:rPr lang="fr-FR"/>
               <a:t>Cinquième niveau</a:t>
             </a:r>
             <a:endParaRPr lang="en-US" dirty="0"/>
@@ -9184,7 +9193,7 @@
           <a:p>
             <a:pPr lvl="0"/>
             <a:r>
-              <a:rPr lang="fr-FR" smtClean="0"/>
+              <a:rPr lang="fr-FR"/>
               <a:t>Modifiez les styles du texte du masque</a:t>
             </a:r>
           </a:p>
@@ -9242,35 +9251,35 @@
           <a:p>
             <a:pPr lvl="0"/>
             <a:r>
-              <a:rPr lang="fr-FR" smtClean="0"/>
+              <a:rPr lang="fr-FR"/>
               <a:t>Modifiez les styles du texte du masque</a:t>
             </a:r>
           </a:p>
           <a:p>
             <a:pPr lvl="1"/>
             <a:r>
-              <a:rPr lang="fr-FR" smtClean="0"/>
+              <a:rPr lang="fr-FR"/>
               <a:t>Deuxième niveau</a:t>
             </a:r>
           </a:p>
           <a:p>
             <a:pPr lvl="2"/>
             <a:r>
-              <a:rPr lang="fr-FR" smtClean="0"/>
+              <a:rPr lang="fr-FR"/>
               <a:t>Troisième niveau</a:t>
             </a:r>
           </a:p>
           <a:p>
             <a:pPr lvl="3"/>
             <a:r>
-              <a:rPr lang="fr-FR" smtClean="0"/>
+              <a:rPr lang="fr-FR"/>
               <a:t>Quatrième niveau</a:t>
             </a:r>
           </a:p>
           <a:p>
             <a:pPr lvl="4"/>
             <a:r>
-              <a:rPr lang="fr-FR" smtClean="0"/>
+              <a:rPr lang="fr-FR"/>
               <a:t>Cinquième niveau</a:t>
             </a:r>
             <a:endParaRPr lang="en-US" dirty="0"/>
@@ -9294,7 +9303,7 @@
           <a:p>
             <a:fld id="{285030BD-A9CB-4642-A2F7-CBDDFBEFA093}" type="datetimeFigureOut">
               <a:rPr lang="fr-CA" smtClean="0"/>
-              <a:t>2017-04-23</a:t>
+              <a:t>2017-05-04</a:t>
             </a:fld>
             <a:endParaRPr lang="fr-CA"/>
           </a:p>
@@ -9397,7 +9406,7 @@
           </a:lstStyle>
           <a:p>
             <a:r>
-              <a:rPr lang="fr-FR" smtClean="0"/>
+              <a:rPr lang="fr-FR"/>
               <a:t>Modifiez le style du titre</a:t>
             </a:r>
             <a:endParaRPr lang="en-US" dirty="0"/>
@@ -9421,7 +9430,7 @@
           <a:p>
             <a:fld id="{285030BD-A9CB-4642-A2F7-CBDDFBEFA093}" type="datetimeFigureOut">
               <a:rPr lang="fr-CA" smtClean="0"/>
-              <a:t>2017-04-23</a:t>
+              <a:t>2017-05-04</a:t>
             </a:fld>
             <a:endParaRPr lang="fr-CA"/>
           </a:p>
@@ -9516,7 +9525,7 @@
           <a:p>
             <a:fld id="{285030BD-A9CB-4642-A2F7-CBDDFBEFA093}" type="datetimeFigureOut">
               <a:rPr lang="fr-CA" smtClean="0"/>
-              <a:t>2017-04-23</a:t>
+              <a:t>2017-05-04</a:t>
             </a:fld>
             <a:endParaRPr lang="fr-CA"/>
           </a:p>
@@ -10442,7 +10451,7 @@
           </a:lstStyle>
           <a:p>
             <a:r>
-              <a:rPr lang="fr-FR" smtClean="0"/>
+              <a:rPr lang="fr-FR"/>
               <a:t>Modifiez le style du titre</a:t>
             </a:r>
             <a:endParaRPr lang="en-US" dirty="0"/>
@@ -10473,35 +10482,35 @@
           <a:p>
             <a:pPr lvl="0"/>
             <a:r>
-              <a:rPr lang="fr-FR" smtClean="0"/>
+              <a:rPr lang="fr-FR"/>
               <a:t>Modifiez les styles du texte du masque</a:t>
             </a:r>
           </a:p>
           <a:p>
             <a:pPr lvl="1"/>
             <a:r>
-              <a:rPr lang="fr-FR" smtClean="0"/>
+              <a:rPr lang="fr-FR"/>
               <a:t>Deuxième niveau</a:t>
             </a:r>
           </a:p>
           <a:p>
             <a:pPr lvl="2"/>
             <a:r>
-              <a:rPr lang="fr-FR" smtClean="0"/>
+              <a:rPr lang="fr-FR"/>
               <a:t>Troisième niveau</a:t>
             </a:r>
           </a:p>
           <a:p>
             <a:pPr lvl="3"/>
             <a:r>
-              <a:rPr lang="fr-FR" smtClean="0"/>
+              <a:rPr lang="fr-FR"/>
               <a:t>Quatrième niveau</a:t>
             </a:r>
           </a:p>
           <a:p>
             <a:pPr lvl="4"/>
             <a:r>
-              <a:rPr lang="fr-FR" smtClean="0"/>
+              <a:rPr lang="fr-FR"/>
               <a:t>Cinquième niveau</a:t>
             </a:r>
             <a:endParaRPr lang="en-US" dirty="0"/>
@@ -10574,7 +10583,7 @@
           <a:p>
             <a:pPr lvl="0"/>
             <a:r>
-              <a:rPr lang="fr-FR" smtClean="0"/>
+              <a:rPr lang="fr-FR"/>
               <a:t>Modifiez les styles du texte du masque</a:t>
             </a:r>
           </a:p>
@@ -10597,7 +10606,7 @@
           <a:p>
             <a:fld id="{285030BD-A9CB-4642-A2F7-CBDDFBEFA093}" type="datetimeFigureOut">
               <a:rPr lang="fr-CA" smtClean="0"/>
-              <a:t>2017-04-23</a:t>
+              <a:t>2017-05-04</a:t>
             </a:fld>
             <a:endParaRPr lang="fr-CA"/>
           </a:p>
@@ -11525,7 +11534,7 @@
           </a:lstStyle>
           <a:p>
             <a:r>
-              <a:rPr lang="fr-FR" smtClean="0"/>
+              <a:rPr lang="fr-FR"/>
               <a:t>Modifiez le style du titre</a:t>
             </a:r>
             <a:endParaRPr lang="en-US" dirty="0"/>
@@ -11607,7 +11616,7 @@
               <a:buNone/>
             </a:pPr>
             <a:r>
-              <a:rPr lang="fr-FR" smtClean="0"/>
+              <a:rPr lang="fr-FR"/>
               <a:t>Cliquez sur l'icône pour ajouter une image</a:t>
             </a:r>
             <a:endParaRPr lang="en-US" dirty="0"/>
@@ -11682,7 +11691,7 @@
           <a:p>
             <a:pPr lvl="0"/>
             <a:r>
-              <a:rPr lang="fr-FR" smtClean="0"/>
+              <a:rPr lang="fr-FR"/>
               <a:t>Modifiez les styles du texte du masque</a:t>
             </a:r>
           </a:p>
@@ -11705,7 +11714,7 @@
           <a:p>
             <a:fld id="{285030BD-A9CB-4642-A2F7-CBDDFBEFA093}" type="datetimeFigureOut">
               <a:rPr lang="fr-CA" smtClean="0"/>
-              <a:t>2017-04-23</a:t>
+              <a:t>2017-05-04</a:t>
             </a:fld>
             <a:endParaRPr lang="fr-CA"/>
           </a:p>
@@ -12600,7 +12609,7 @@
           <a:lstStyle/>
           <a:p>
             <a:r>
-              <a:rPr lang="fr-FR" smtClean="0"/>
+              <a:rPr lang="fr-FR"/>
               <a:t>Modifiez le style du titre</a:t>
             </a:r>
             <a:endParaRPr lang="en-US" dirty="0"/>
@@ -12634,35 +12643,35 @@
           <a:p>
             <a:pPr lvl="0"/>
             <a:r>
-              <a:rPr lang="fr-FR" smtClean="0"/>
+              <a:rPr lang="fr-FR"/>
               <a:t>Modifiez les styles du texte du masque</a:t>
             </a:r>
           </a:p>
           <a:p>
             <a:pPr lvl="1"/>
             <a:r>
-              <a:rPr lang="fr-FR" smtClean="0"/>
+              <a:rPr lang="fr-FR"/>
               <a:t>Deuxième niveau</a:t>
             </a:r>
           </a:p>
           <a:p>
             <a:pPr lvl="2"/>
             <a:r>
-              <a:rPr lang="fr-FR" smtClean="0"/>
+              <a:rPr lang="fr-FR"/>
               <a:t>Troisième niveau</a:t>
             </a:r>
           </a:p>
           <a:p>
             <a:pPr lvl="3"/>
             <a:r>
-              <a:rPr lang="fr-FR" smtClean="0"/>
+              <a:rPr lang="fr-FR"/>
               <a:t>Quatrième niveau</a:t>
             </a:r>
           </a:p>
           <a:p>
             <a:pPr lvl="4"/>
             <a:r>
-              <a:rPr lang="fr-FR" smtClean="0"/>
+              <a:rPr lang="fr-FR"/>
               <a:t>Cinquième niveau</a:t>
             </a:r>
             <a:endParaRPr lang="en-US" dirty="0"/>
@@ -12702,7 +12711,7 @@
           <a:p>
             <a:fld id="{285030BD-A9CB-4642-A2F7-CBDDFBEFA093}" type="datetimeFigureOut">
               <a:rPr lang="fr-CA" smtClean="0"/>
-              <a:t>2017-04-23</a:t>
+              <a:t>2017-05-04</a:t>
             </a:fld>
             <a:endParaRPr lang="fr-CA"/>
           </a:p>
@@ -13283,18 +13292,17 @@
           <a:p>
             <a:pPr algn="ctr"/>
             <a:r>
-              <a:rPr lang="fr-CA" dirty="0" smtClean="0"/>
+              <a:rPr lang="fr-CA" dirty="0"/>
               <a:t>L’avenir du </a:t>
             </a:r>
             <a:r>
-              <a:rPr lang="fr-CA" sz="6000" dirty="0" err="1" smtClean="0"/>
+              <a:rPr lang="fr-CA" sz="6000" dirty="0" err="1"/>
               <a:t>Raspberry</a:t>
             </a:r>
             <a:r>
-              <a:rPr lang="fr-CA" dirty="0" smtClean="0"/>
+              <a:rPr lang="fr-CA" dirty="0"/>
               <a:t> Pi</a:t>
             </a:r>
-            <a:endParaRPr lang="fr-CA" dirty="0"/>
           </a:p>
         </p:txBody>
       </p:sp>
@@ -13412,10 +13420,9 @@
           <a:p>
             <a:pPr algn="ctr"/>
             <a:r>
-              <a:rPr lang="fr-CA" sz="5400" dirty="0" smtClean="0"/>
+              <a:rPr lang="fr-CA" sz="5400" dirty="0"/>
               <a:t>Description</a:t>
             </a:r>
-            <a:endParaRPr lang="fr-CA" sz="5400" dirty="0"/>
           </a:p>
         </p:txBody>
       </p:sp>
@@ -13436,53 +13443,53 @@
           <a:p>
             <a:pPr algn="just"/>
             <a:r>
-              <a:rPr lang="fr-CA" sz="2500" b="1" dirty="0" smtClean="0"/>
+              <a:rPr lang="fr-CA" sz="2500" b="1" dirty="0"/>
               <a:t>Nano-ordinateur </a:t>
             </a:r>
             <a:r>
-              <a:rPr lang="fr-CA" sz="2500" b="1" dirty="0" err="1" smtClean="0"/>
+              <a:rPr lang="fr-CA" sz="2500" b="1" dirty="0" err="1"/>
               <a:t>monocarte</a:t>
             </a:r>
             <a:r>
-              <a:rPr lang="fr-CA" sz="2500" b="1" dirty="0" smtClean="0"/>
+              <a:rPr lang="fr-CA" sz="2500" b="1" dirty="0"/>
               <a:t>, crée par David </a:t>
             </a:r>
             <a:r>
-              <a:rPr lang="fr-CA" sz="2500" b="1" dirty="0" err="1" smtClean="0"/>
+              <a:rPr lang="fr-CA" sz="2500" b="1" dirty="0" err="1"/>
               <a:t>Braben</a:t>
             </a:r>
             <a:r>
-              <a:rPr lang="fr-CA" sz="2500" b="1" dirty="0" smtClean="0"/>
+              <a:rPr lang="fr-CA" sz="2500" b="1" dirty="0"/>
               <a:t> en 2006.</a:t>
             </a:r>
           </a:p>
           <a:p>
             <a:pPr algn="just"/>
-            <a:endParaRPr lang="fr-CA" sz="2500" b="1" dirty="0" smtClean="0"/>
+            <a:endParaRPr lang="fr-CA" sz="2500" b="1" dirty="0"/>
           </a:p>
           <a:p>
             <a:pPr algn="just"/>
             <a:r>
-              <a:rPr lang="fr-CA" sz="2500" b="1" dirty="0" smtClean="0"/>
+              <a:rPr lang="fr-CA" sz="2500" b="1" dirty="0"/>
               <a:t>Fondation (2009) : </a:t>
             </a:r>
             <a:r>
-              <a:rPr lang="fr-CA" sz="2500" b="1" dirty="0" err="1" smtClean="0"/>
+              <a:rPr lang="fr-CA" sz="2500" b="1" dirty="0" err="1"/>
               <a:t>Raspberry</a:t>
             </a:r>
             <a:r>
-              <a:rPr lang="fr-CA" sz="2500" b="1" dirty="0" smtClean="0"/>
+              <a:rPr lang="fr-CA" sz="2500" b="1" dirty="0"/>
               <a:t> Pi (raspberrypi.org)</a:t>
             </a:r>
           </a:p>
           <a:p>
             <a:pPr algn="just"/>
-            <a:endParaRPr lang="fr-CA" sz="2500" b="1" dirty="0" smtClean="0"/>
+            <a:endParaRPr lang="fr-CA" sz="2500" b="1" dirty="0"/>
           </a:p>
           <a:p>
             <a:pPr algn="just"/>
             <a:r>
-              <a:rPr lang="fr-CA" sz="2500" b="1" dirty="0" smtClean="0"/>
+              <a:rPr lang="fr-CA" sz="2500" b="1" dirty="0"/>
               <a:t>But : Outils d’apprentissage et apporter une intérêt a la programmation chez les jeunes.</a:t>
             </a:r>
           </a:p>
@@ -13490,7 +13497,7 @@
             <a:endParaRPr lang="fr-CA" dirty="0"/>
           </a:p>
           <a:p>
-            <a:endParaRPr lang="fr-CA" dirty="0" smtClean="0"/>
+            <a:endParaRPr lang="fr-CA" dirty="0"/>
           </a:p>
           <a:p>
             <a:endParaRPr lang="fr-CA" dirty="0"/>
@@ -13588,10 +13595,9 @@
           <a:p>
             <a:pPr algn="ctr"/>
             <a:r>
-              <a:rPr lang="fr-CA" sz="5400" dirty="0" smtClean="0"/>
+              <a:rPr lang="fr-CA" sz="5400" dirty="0"/>
               <a:t>Software</a:t>
             </a:r>
-            <a:endParaRPr lang="fr-CA" sz="5400" dirty="0"/>
           </a:p>
         </p:txBody>
       </p:sp>
@@ -13607,10 +13613,61 @@
         </p:nvSpPr>
         <p:spPr/>
         <p:txBody>
-          <a:bodyPr/>
+          <a:bodyPr>
+            <a:normAutofit/>
+          </a:bodyPr>
           <a:lstStyle/>
           <a:p>
-            <a:endParaRPr lang="fr-CA"/>
+            <a:pPr algn="just"/>
+            <a:r>
+              <a:rPr lang="fr-CA" sz="2500" b="1" dirty="0" err="1"/>
+              <a:t>Raspbian</a:t>
+            </a:r>
+            <a:endParaRPr lang="fr-CA" sz="2500" b="1" dirty="0"/>
+          </a:p>
+          <a:p>
+            <a:pPr algn="just"/>
+            <a:endParaRPr lang="fr-CA" sz="2500" b="1" dirty="0"/>
+          </a:p>
+          <a:p>
+            <a:pPr algn="just"/>
+            <a:r>
+              <a:rPr lang="fr-CA" sz="2500" b="1" dirty="0"/>
+              <a:t>Ubuntu</a:t>
+            </a:r>
+          </a:p>
+          <a:p>
+            <a:pPr algn="just"/>
+            <a:endParaRPr lang="fr-CA" sz="2500" b="1" dirty="0"/>
+          </a:p>
+          <a:p>
+            <a:pPr algn="just"/>
+            <a:r>
+              <a:rPr lang="fr-CA" sz="2500" b="1" dirty="0"/>
+              <a:t>Microsoft </a:t>
+            </a:r>
+            <a:r>
+              <a:rPr lang="fr-CA" sz="2500" b="1" dirty="0" err="1"/>
+              <a:t>IoT</a:t>
+            </a:r>
+            <a:r>
+              <a:rPr lang="fr-CA" sz="2500" b="1" dirty="0"/>
+              <a:t> (internet of </a:t>
+            </a:r>
+            <a:r>
+              <a:rPr lang="fr-CA" sz="2500" b="1" dirty="0" err="1"/>
+              <a:t>things</a:t>
+            </a:r>
+            <a:r>
+              <a:rPr lang="fr-CA" sz="2500" b="1" dirty="0"/>
+              <a:t>)</a:t>
+            </a:r>
+          </a:p>
+          <a:p>
+            <a:pPr marL="0" indent="0" algn="just">
+              <a:buNone/>
+            </a:pPr>
+            <a:endParaRPr lang="fr-CA" sz="2500" b="1" dirty="0"/>
           </a:p>
         </p:txBody>
       </p:sp>
@@ -13661,10 +13718,9 @@
           <a:p>
             <a:pPr algn="ctr"/>
             <a:r>
-              <a:rPr lang="fr-CA" sz="5400" dirty="0" smtClean="0"/>
+              <a:rPr lang="fr-CA" sz="5400" dirty="0"/>
               <a:t>Hardware</a:t>
             </a:r>
-            <a:endParaRPr lang="fr-CA" sz="5400" dirty="0"/>
           </a:p>
         </p:txBody>
       </p:sp>
@@ -13685,7 +13741,45 @@
           </a:bodyPr>
           <a:lstStyle/>
           <a:p>
+            <a:r>
+              <a:rPr lang="fr-CA" sz="2500" b="1" dirty="0"/>
+              <a:t>Modèles</a:t>
+            </a:r>
+          </a:p>
+          <a:p>
+            <a:pPr lvl="1"/>
+            <a:r>
+              <a:rPr lang="fr-CA" sz="2300" b="1" dirty="0"/>
+              <a:t>Modèle B</a:t>
+            </a:r>
+          </a:p>
+          <a:p>
+            <a:pPr lvl="1"/>
+            <a:r>
+              <a:rPr lang="fr-CA" sz="2300" b="1" dirty="0"/>
+              <a:t>Modèle A</a:t>
+            </a:r>
+          </a:p>
+          <a:p>
+            <a:pPr lvl="1"/>
+            <a:r>
+              <a:rPr lang="fr-CA" sz="2300" b="1" dirty="0"/>
+              <a:t>Modèle </a:t>
+            </a:r>
+            <a:r>
+              <a:rPr lang="fr-CA" sz="2300" b="1" dirty="0" err="1"/>
+              <a:t>Zero</a:t>
+            </a:r>
+            <a:endParaRPr lang="fr-CA" sz="2300" b="1" dirty="0"/>
+          </a:p>
+          <a:p>
             <a:endParaRPr lang="fr-CA" sz="2500" b="1" dirty="0"/>
+          </a:p>
+          <a:p>
+            <a:r>
+              <a:rPr lang="fr-CA" sz="2500" b="1" dirty="0"/>
+              <a:t>Compatibilité</a:t>
+            </a:r>
           </a:p>
         </p:txBody>
       </p:sp>
@@ -13736,10 +13830,9 @@
           <a:p>
             <a:pPr algn="ctr"/>
             <a:r>
-              <a:rPr lang="fr-CA" sz="5400" dirty="0" smtClean="0"/>
+              <a:rPr lang="fr-CA" sz="5400" dirty="0"/>
               <a:t>HAT</a:t>
             </a:r>
-            <a:endParaRPr lang="fr-CA" sz="5400" dirty="0"/>
           </a:p>
         </p:txBody>
       </p:sp>
@@ -13767,45 +13860,45 @@
           <a:p>
             <a:pPr algn="just"/>
             <a:r>
-              <a:rPr lang="fr-CA" sz="2500" b="1" dirty="0" smtClean="0"/>
+              <a:rPr lang="fr-CA" sz="2500" b="1" dirty="0"/>
               <a:t>Hardware </a:t>
             </a:r>
             <a:r>
-              <a:rPr lang="fr-CA" sz="2500" b="1" dirty="0" err="1" smtClean="0"/>
+              <a:rPr lang="fr-CA" sz="2500" b="1" dirty="0" err="1"/>
               <a:t>attached</a:t>
             </a:r>
             <a:r>
-              <a:rPr lang="fr-CA" sz="2500" b="1" dirty="0" smtClean="0"/>
+              <a:rPr lang="fr-CA" sz="2500" b="1" dirty="0"/>
               <a:t> on top / Accessoire qui s’attache sur le dessus</a:t>
             </a:r>
           </a:p>
           <a:p>
             <a:pPr algn="just"/>
-            <a:endParaRPr lang="fr-CA" sz="2500" b="1" dirty="0" smtClean="0"/>
+            <a:endParaRPr lang="fr-CA" sz="2500" b="1" dirty="0"/>
           </a:p>
           <a:p>
             <a:pPr algn="just"/>
             <a:r>
-              <a:rPr lang="fr-CA" sz="2500" b="1" dirty="0" smtClean="0"/>
+              <a:rPr lang="fr-CA" sz="2500" b="1" dirty="0"/>
               <a:t>Date de sortie : 2014</a:t>
             </a:r>
           </a:p>
           <a:p>
             <a:pPr algn="just"/>
-            <a:endParaRPr lang="fr-CA" sz="2500" b="1" dirty="0" smtClean="0"/>
+            <a:endParaRPr lang="fr-CA" sz="2500" b="1" dirty="0"/>
           </a:p>
           <a:p>
             <a:pPr algn="just"/>
             <a:r>
-              <a:rPr lang="fr-CA" sz="2500" b="1" dirty="0" smtClean="0"/>
+              <a:rPr lang="fr-CA" sz="2500" b="1" dirty="0"/>
               <a:t>Nécessite un </a:t>
             </a:r>
             <a:r>
-              <a:rPr lang="fr-CA" sz="2500" b="1" dirty="0" err="1" smtClean="0"/>
+              <a:rPr lang="fr-CA" sz="2500" b="1" dirty="0" err="1"/>
               <a:t>Raspberry</a:t>
             </a:r>
             <a:r>
-              <a:rPr lang="fr-CA" sz="2500" b="1" dirty="0" smtClean="0"/>
+              <a:rPr lang="fr-CA" sz="2500" b="1" dirty="0"/>
               <a:t> Pi B+ ou supérieur.</a:t>
             </a:r>
           </a:p>
@@ -13833,7 +13926,7 @@
           <a:graphicData uri="http://schemas.openxmlformats.org/presentationml/2006/ole">
             <mc:AlternateContent xmlns:mc="http://schemas.openxmlformats.org/markup-compatibility/2006">
               <mc:Choice xmlns:v="urn:schemas-microsoft-com:vml" Requires="v">
-                <p:oleObj spid="_x0000_s4099" name="Image" r:id="rId3" imgW="6971400" imgH="4809240" progId="Photoshop.Image.18">
+                <p:oleObj spid="_x0000_s4102" name="Image" r:id="rId3" imgW="6971400" imgH="4809240" progId="Photoshop.Image.18">
                   <p:embed/>
                 </p:oleObj>
               </mc:Choice>
@@ -13915,14 +14008,13 @@
           <a:p>
             <a:pPr algn="ctr"/>
             <a:r>
-              <a:rPr lang="fr-CA" sz="5400" dirty="0" err="1" smtClean="0"/>
+              <a:rPr lang="fr-CA" sz="5400" dirty="0" err="1"/>
               <a:t>Raspberry</a:t>
             </a:r>
             <a:r>
-              <a:rPr lang="fr-CA" sz="5400" dirty="0" smtClean="0"/>
+              <a:rPr lang="fr-CA" sz="5400" dirty="0"/>
               <a:t> ou Banana ?</a:t>
             </a:r>
-            <a:endParaRPr lang="fr-CA" sz="5400" dirty="0"/>
           </a:p>
         </p:txBody>
       </p:sp>
@@ -13952,13 +14044,55 @@
                 <a:tableStyleId>{5C22544A-7EE6-4342-B048-85BDC9FD1C3A}</a:tableStyleId>
               </a:tblPr>
               <a:tblGrid>
-                <a:gridCol w="1652108"/>
-                <a:gridCol w="1652108"/>
-                <a:gridCol w="1652108"/>
-                <a:gridCol w="1652108"/>
-                <a:gridCol w="1652108"/>
-                <a:gridCol w="1652108"/>
-                <a:gridCol w="1652108"/>
+                <a:gridCol w="1652108">
+                  <a:extLst>
+                    <a:ext uri="{9D8B030D-6E8A-4147-A177-3AD203B41FA5}">
+                      <a16:colId xmlns:a16="http://schemas.microsoft.com/office/drawing/2014/main" val="20000"/>
+                    </a:ext>
+                  </a:extLst>
+                </a:gridCol>
+                <a:gridCol w="1652108">
+                  <a:extLst>
+                    <a:ext uri="{9D8B030D-6E8A-4147-A177-3AD203B41FA5}">
+                      <a16:colId xmlns:a16="http://schemas.microsoft.com/office/drawing/2014/main" val="20001"/>
+                    </a:ext>
+                  </a:extLst>
+                </a:gridCol>
+                <a:gridCol w="1652108">
+                  <a:extLst>
+                    <a:ext uri="{9D8B030D-6E8A-4147-A177-3AD203B41FA5}">
+                      <a16:colId xmlns:a16="http://schemas.microsoft.com/office/drawing/2014/main" val="20002"/>
+                    </a:ext>
+                  </a:extLst>
+                </a:gridCol>
+                <a:gridCol w="1652108">
+                  <a:extLst>
+                    <a:ext uri="{9D8B030D-6E8A-4147-A177-3AD203B41FA5}">
+                      <a16:colId xmlns:a16="http://schemas.microsoft.com/office/drawing/2014/main" val="20003"/>
+                    </a:ext>
+                  </a:extLst>
+                </a:gridCol>
+                <a:gridCol w="1652108">
+                  <a:extLst>
+                    <a:ext uri="{9D8B030D-6E8A-4147-A177-3AD203B41FA5}">
+                      <a16:colId xmlns:a16="http://schemas.microsoft.com/office/drawing/2014/main" val="20004"/>
+                    </a:ext>
+                  </a:extLst>
+                </a:gridCol>
+                <a:gridCol w="1652108">
+                  <a:extLst>
+                    <a:ext uri="{9D8B030D-6E8A-4147-A177-3AD203B41FA5}">
+                      <a16:colId xmlns:a16="http://schemas.microsoft.com/office/drawing/2014/main" val="20005"/>
+                    </a:ext>
+                  </a:extLst>
+                </a:gridCol>
+                <a:gridCol w="1652108">
+                  <a:extLst>
+                    <a:ext uri="{9D8B030D-6E8A-4147-A177-3AD203B41FA5}">
+                      <a16:colId xmlns:a16="http://schemas.microsoft.com/office/drawing/2014/main" val="20006"/>
+                    </a:ext>
+                  </a:extLst>
+                </a:gridCol>
               </a:tblGrid>
               <a:tr h="862188">
                 <a:tc>
@@ -14122,6 +14256,11 @@
                   </a:txBody>
                   <a:tcPr marL="9525" marR="9525" marT="9525" marB="0" anchor="ctr"/>
                 </a:tc>
+                <a:extLst>
+                  <a:ext uri="{0D108BD9-81ED-4DB2-BD59-A6C34878D82A}">
+                    <a16:rowId xmlns:a16="http://schemas.microsoft.com/office/drawing/2014/main" val="10000"/>
+                  </a:ext>
+                </a:extLst>
               </a:tr>
               <a:tr h="1360640">
                 <a:tc>
@@ -14303,6 +14442,11 @@
                   </a:txBody>
                   <a:tcPr marL="9525" marR="9525" marT="9525" marB="0" anchor="ctr"/>
                 </a:tc>
+                <a:extLst>
+                  <a:ext uri="{0D108BD9-81ED-4DB2-BD59-A6C34878D82A}">
+                    <a16:rowId xmlns:a16="http://schemas.microsoft.com/office/drawing/2014/main" val="10001"/>
+                  </a:ext>
+                </a:extLst>
               </a:tr>
               <a:tr h="1993810">
                 <a:tc>
@@ -14472,6 +14616,11 @@
                   </a:txBody>
                   <a:tcPr marL="9525" marR="9525" marT="9525" marB="0" anchor="ctr"/>
                 </a:tc>
+                <a:extLst>
+                  <a:ext uri="{0D108BD9-81ED-4DB2-BD59-A6C34878D82A}">
+                    <a16:rowId xmlns:a16="http://schemas.microsoft.com/office/drawing/2014/main" val="10002"/>
+                  </a:ext>
+                </a:extLst>
               </a:tr>
             </a:tbl>
           </a:graphicData>
@@ -14524,10 +14673,9 @@
           <a:p>
             <a:pPr algn="ctr"/>
             <a:r>
-              <a:rPr lang="fr-CA" sz="5400" dirty="0" smtClean="0"/>
+              <a:rPr lang="fr-CA" sz="5400" dirty="0"/>
               <a:t>Communauté</a:t>
             </a:r>
-            <a:endParaRPr lang="fr-CA" sz="5400" dirty="0"/>
           </a:p>
         </p:txBody>
       </p:sp>
@@ -14543,10 +14691,42 @@
         </p:nvSpPr>
         <p:spPr/>
         <p:txBody>
-          <a:bodyPr/>
+          <a:bodyPr>
+            <a:noAutofit/>
+          </a:bodyPr>
           <a:lstStyle/>
           <a:p>
-            <a:endParaRPr lang="fr-CA"/>
+            <a:r>
+              <a:rPr lang="fr-CA" sz="2500" dirty="0"/>
+              <a:t>Importance d’une communauté</a:t>
+            </a:r>
+          </a:p>
+          <a:p>
+            <a:endParaRPr lang="fr-CA" sz="2500" dirty="0"/>
+          </a:p>
+          <a:p>
+            <a:r>
+              <a:rPr lang="fr-CA" sz="2500" dirty="0"/>
+              <a:t>Moteur de recherche</a:t>
+            </a:r>
+          </a:p>
+          <a:p>
+            <a:endParaRPr lang="fr-CA" sz="2500" dirty="0"/>
+          </a:p>
+          <a:p>
+            <a:r>
+              <a:rPr lang="fr-CA" sz="2500" dirty="0"/>
+              <a:t>Média sociaux</a:t>
+            </a:r>
+          </a:p>
+          <a:p>
+            <a:endParaRPr lang="fr-CA" sz="2500" dirty="0"/>
+          </a:p>
+          <a:p>
+            <a:r>
+              <a:rPr lang="fr-CA" sz="2500" dirty="0"/>
+              <a:t>Ventes</a:t>
+            </a:r>
           </a:p>
         </p:txBody>
       </p:sp>
@@ -14597,10 +14777,9 @@
           <a:p>
             <a:pPr algn="ctr"/>
             <a:r>
-              <a:rPr lang="fr-CA" sz="5400" dirty="0" smtClean="0"/>
+              <a:rPr lang="fr-CA" sz="5400" dirty="0"/>
               <a:t>Conclusion</a:t>
             </a:r>
-            <a:endParaRPr lang="fr-CA" sz="5400" dirty="0"/>
           </a:p>
         </p:txBody>
       </p:sp>
@@ -14619,7 +14798,28 @@
           <a:bodyPr/>
           <a:lstStyle/>
           <a:p>
-            <a:endParaRPr lang="fr-CA"/>
+            <a:r>
+              <a:rPr lang="fr-CA" dirty="0"/>
+              <a:t>Software</a:t>
+            </a:r>
+          </a:p>
+          <a:p>
+            <a:r>
+              <a:rPr lang="fr-CA" dirty="0"/>
+              <a:t>Hardware</a:t>
+            </a:r>
+          </a:p>
+          <a:p>
+            <a:r>
+              <a:rPr lang="fr-CA" dirty="0"/>
+              <a:t>Concurrents</a:t>
+            </a:r>
+          </a:p>
+          <a:p>
+            <a:r>
+              <a:rPr lang="fr-CA" dirty="0"/>
+              <a:t>Communauté</a:t>
+            </a:r>
           </a:p>
         </p:txBody>
       </p:sp>

--- a/Commun/PrésentationPowerPoint.pptx
+++ b/Commun/PrésentationPowerPoint.pptx
@@ -458,7 +458,7 @@
           <a:p>
             <a:fld id="{285030BD-A9CB-4642-A2F7-CBDDFBEFA093}" type="datetimeFigureOut">
               <a:rPr lang="fr-CA" smtClean="0"/>
-              <a:t>2017-05-04</a:t>
+              <a:t>2017-05-05</a:t>
             </a:fld>
             <a:endParaRPr lang="fr-CA"/>
           </a:p>
@@ -1546,7 +1546,7 @@
           <a:p>
             <a:fld id="{285030BD-A9CB-4642-A2F7-CBDDFBEFA093}" type="datetimeFigureOut">
               <a:rPr lang="fr-CA" smtClean="0"/>
-              <a:t>2017-05-04</a:t>
+              <a:t>2017-05-05</a:t>
             </a:fld>
             <a:endParaRPr lang="fr-CA"/>
           </a:p>
@@ -2526,7 +2526,7 @@
           <a:p>
             <a:fld id="{285030BD-A9CB-4642-A2F7-CBDDFBEFA093}" type="datetimeFigureOut">
               <a:rPr lang="fr-CA" smtClean="0"/>
-              <a:t>2017-05-04</a:t>
+              <a:t>2017-05-05</a:t>
             </a:fld>
             <a:endParaRPr lang="fr-CA"/>
           </a:p>
@@ -3660,7 +3660,7 @@
           <a:p>
             <a:fld id="{285030BD-A9CB-4642-A2F7-CBDDFBEFA093}" type="datetimeFigureOut">
               <a:rPr lang="fr-CA" smtClean="0"/>
-              <a:t>2017-05-04</a:t>
+              <a:t>2017-05-05</a:t>
             </a:fld>
             <a:endParaRPr lang="fr-CA"/>
           </a:p>
@@ -4693,7 +4693,7 @@
           <a:p>
             <a:fld id="{285030BD-A9CB-4642-A2F7-CBDDFBEFA093}" type="datetimeFigureOut">
               <a:rPr lang="fr-CA" smtClean="0"/>
-              <a:t>2017-05-04</a:t>
+              <a:t>2017-05-05</a:t>
             </a:fld>
             <a:endParaRPr lang="fr-CA"/>
           </a:p>
@@ -5353,7 +5353,7 @@
           <a:p>
             <a:fld id="{285030BD-A9CB-4642-A2F7-CBDDFBEFA093}" type="datetimeFigureOut">
               <a:rPr lang="fr-CA" smtClean="0"/>
-              <a:t>2017-05-04</a:t>
+              <a:t>2017-05-05</a:t>
             </a:fld>
             <a:endParaRPr lang="fr-CA"/>
           </a:p>
@@ -6214,7 +6214,7 @@
           <a:p>
             <a:fld id="{285030BD-A9CB-4642-A2F7-CBDDFBEFA093}" type="datetimeFigureOut">
               <a:rPr lang="fr-CA" smtClean="0"/>
-              <a:t>2017-05-04</a:t>
+              <a:t>2017-05-05</a:t>
             </a:fld>
             <a:endParaRPr lang="fr-CA"/>
           </a:p>
@@ -6404,7 +6404,7 @@
           <a:p>
             <a:fld id="{285030BD-A9CB-4642-A2F7-CBDDFBEFA093}" type="datetimeFigureOut">
               <a:rPr lang="fr-CA" smtClean="0"/>
-              <a:t>2017-05-04</a:t>
+              <a:t>2017-05-05</a:t>
             </a:fld>
             <a:endParaRPr lang="fr-CA"/>
           </a:p>
@@ -7376,7 +7376,7 @@
           <a:p>
             <a:fld id="{285030BD-A9CB-4642-A2F7-CBDDFBEFA093}" type="datetimeFigureOut">
               <a:rPr lang="fr-CA" smtClean="0"/>
-              <a:t>2017-05-04</a:t>
+              <a:t>2017-05-05</a:t>
             </a:fld>
             <a:endParaRPr lang="fr-CA"/>
           </a:p>
@@ -7587,7 +7587,7 @@
           <a:p>
             <a:fld id="{285030BD-A9CB-4642-A2F7-CBDDFBEFA093}" type="datetimeFigureOut">
               <a:rPr lang="fr-CA" smtClean="0"/>
-              <a:t>2017-05-04</a:t>
+              <a:t>2017-05-05</a:t>
             </a:fld>
             <a:endParaRPr lang="fr-CA"/>
           </a:p>
@@ -8621,7 +8621,7 @@
           <a:p>
             <a:fld id="{285030BD-A9CB-4642-A2F7-CBDDFBEFA093}" type="datetimeFigureOut">
               <a:rPr lang="fr-CA" smtClean="0"/>
-              <a:t>2017-05-04</a:t>
+              <a:t>2017-05-05</a:t>
             </a:fld>
             <a:endParaRPr lang="fr-CA"/>
           </a:p>
@@ -8893,7 +8893,7 @@
           <a:p>
             <a:fld id="{285030BD-A9CB-4642-A2F7-CBDDFBEFA093}" type="datetimeFigureOut">
               <a:rPr lang="fr-CA" smtClean="0"/>
-              <a:t>2017-05-04</a:t>
+              <a:t>2017-05-05</a:t>
             </a:fld>
             <a:endParaRPr lang="fr-CA"/>
           </a:p>
@@ -9303,7 +9303,7 @@
           <a:p>
             <a:fld id="{285030BD-A9CB-4642-A2F7-CBDDFBEFA093}" type="datetimeFigureOut">
               <a:rPr lang="fr-CA" smtClean="0"/>
-              <a:t>2017-05-04</a:t>
+              <a:t>2017-05-05</a:t>
             </a:fld>
             <a:endParaRPr lang="fr-CA"/>
           </a:p>
@@ -9430,7 +9430,7 @@
           <a:p>
             <a:fld id="{285030BD-A9CB-4642-A2F7-CBDDFBEFA093}" type="datetimeFigureOut">
               <a:rPr lang="fr-CA" smtClean="0"/>
-              <a:t>2017-05-04</a:t>
+              <a:t>2017-05-05</a:t>
             </a:fld>
             <a:endParaRPr lang="fr-CA"/>
           </a:p>
@@ -9525,7 +9525,7 @@
           <a:p>
             <a:fld id="{285030BD-A9CB-4642-A2F7-CBDDFBEFA093}" type="datetimeFigureOut">
               <a:rPr lang="fr-CA" smtClean="0"/>
-              <a:t>2017-05-04</a:t>
+              <a:t>2017-05-05</a:t>
             </a:fld>
             <a:endParaRPr lang="fr-CA"/>
           </a:p>
@@ -10606,7 +10606,7 @@
           <a:p>
             <a:fld id="{285030BD-A9CB-4642-A2F7-CBDDFBEFA093}" type="datetimeFigureOut">
               <a:rPr lang="fr-CA" smtClean="0"/>
-              <a:t>2017-05-04</a:t>
+              <a:t>2017-05-05</a:t>
             </a:fld>
             <a:endParaRPr lang="fr-CA"/>
           </a:p>
@@ -11714,7 +11714,7 @@
           <a:p>
             <a:fld id="{285030BD-A9CB-4642-A2F7-CBDDFBEFA093}" type="datetimeFigureOut">
               <a:rPr lang="fr-CA" smtClean="0"/>
-              <a:t>2017-05-04</a:t>
+              <a:t>2017-05-05</a:t>
             </a:fld>
             <a:endParaRPr lang="fr-CA"/>
           </a:p>
@@ -12711,7 +12711,7 @@
           <a:p>
             <a:fld id="{285030BD-A9CB-4642-A2F7-CBDDFBEFA093}" type="datetimeFigureOut">
               <a:rPr lang="fr-CA" smtClean="0"/>
-              <a:t>2017-05-04</a:t>
+              <a:t>2017-05-05</a:t>
             </a:fld>
             <a:endParaRPr lang="fr-CA"/>
           </a:p>
@@ -13926,7 +13926,7 @@
           <a:graphicData uri="http://schemas.openxmlformats.org/presentationml/2006/ole">
             <mc:AlternateContent xmlns:mc="http://schemas.openxmlformats.org/markup-compatibility/2006">
               <mc:Choice xmlns:v="urn:schemas-microsoft-com:vml" Requires="v">
-                <p:oleObj spid="_x0000_s4102" name="Image" r:id="rId3" imgW="6971400" imgH="4809240" progId="Photoshop.Image.18">
+                <p:oleObj spid="_x0000_s4103" name="Image" r:id="rId3" imgW="6971400" imgH="4809240" progId="Photoshop.Image.18">
                   <p:embed/>
                 </p:oleObj>
               </mc:Choice>
@@ -14028,7 +14028,7 @@
             <p:ph idx="1"/>
             <p:extLst>
               <p:ext uri="{D42A27DB-BD31-4B8C-83A1-F6EECF244321}">
-                <p14:modId xmlns:p14="http://schemas.microsoft.com/office/powerpoint/2010/main" val="3634762376"/>
+                <p14:modId xmlns:p14="http://schemas.microsoft.com/office/powerpoint/2010/main" val="4069527325"/>
               </p:ext>
             </p:extLst>
           </p:nvPr>
@@ -14337,7 +14337,7 @@
                         <a:rPr lang="fr-CA" sz="1500" b="1" u="none" strike="noStrike" dirty="0">
                           <a:effectLst/>
                         </a:rPr>
-                        <a:t>1 Gb</a:t>
+                        <a:t>1 GB</a:t>
                       </a:r>
                       <a:endParaRPr lang="fr-CA" sz="1500" b="1" i="0" u="none" strike="noStrike" dirty="0">
                         <a:solidFill>
@@ -14505,7 +14505,7 @@
                         <a:rPr lang="en-US" sz="1500" b="1" u="none" strike="noStrike" dirty="0">
                           <a:effectLst/>
                         </a:rPr>
-                        <a:t>1 Gb</a:t>
+                        <a:t>1 GB</a:t>
                       </a:r>
                       <a:endParaRPr lang="en-US" sz="1500" b="1" i="0" u="none" strike="noStrike" dirty="0">
                         <a:solidFill>

--- a/Commun/PrésentationPowerPoint.pptx
+++ b/Commun/PrésentationPowerPoint.pptx
@@ -12,7 +12,10 @@
     <p:sldId id="260" r:id="rId6"/>
     <p:sldId id="261" r:id="rId7"/>
     <p:sldId id="262" r:id="rId8"/>
-    <p:sldId id="263" r:id="rId9"/>
+    <p:sldId id="266" r:id="rId9"/>
+    <p:sldId id="267" r:id="rId10"/>
+    <p:sldId id="268" r:id="rId11"/>
+    <p:sldId id="263" r:id="rId12"/>
   </p:sldIdLst>
   <p:sldSz cx="12192000" cy="6858000"/>
   <p:notesSz cx="6858000" cy="9144000"/>
@@ -458,7 +461,7 @@
           <a:p>
             <a:fld id="{285030BD-A9CB-4642-A2F7-CBDDFBEFA093}" type="datetimeFigureOut">
               <a:rPr lang="fr-CA" smtClean="0"/>
-              <a:t>2017-05-05</a:t>
+              <a:t>2017-05-07</a:t>
             </a:fld>
             <a:endParaRPr lang="fr-CA"/>
           </a:p>
@@ -1546,7 +1549,7 @@
           <a:p>
             <a:fld id="{285030BD-A9CB-4642-A2F7-CBDDFBEFA093}" type="datetimeFigureOut">
               <a:rPr lang="fr-CA" smtClean="0"/>
-              <a:t>2017-05-05</a:t>
+              <a:t>2017-05-07</a:t>
             </a:fld>
             <a:endParaRPr lang="fr-CA"/>
           </a:p>
@@ -2526,7 +2529,7 @@
           <a:p>
             <a:fld id="{285030BD-A9CB-4642-A2F7-CBDDFBEFA093}" type="datetimeFigureOut">
               <a:rPr lang="fr-CA" smtClean="0"/>
-              <a:t>2017-05-05</a:t>
+              <a:t>2017-05-07</a:t>
             </a:fld>
             <a:endParaRPr lang="fr-CA"/>
           </a:p>
@@ -3660,7 +3663,7 @@
           <a:p>
             <a:fld id="{285030BD-A9CB-4642-A2F7-CBDDFBEFA093}" type="datetimeFigureOut">
               <a:rPr lang="fr-CA" smtClean="0"/>
-              <a:t>2017-05-05</a:t>
+              <a:t>2017-05-07</a:t>
             </a:fld>
             <a:endParaRPr lang="fr-CA"/>
           </a:p>
@@ -4693,7 +4696,7 @@
           <a:p>
             <a:fld id="{285030BD-A9CB-4642-A2F7-CBDDFBEFA093}" type="datetimeFigureOut">
               <a:rPr lang="fr-CA" smtClean="0"/>
-              <a:t>2017-05-05</a:t>
+              <a:t>2017-05-07</a:t>
             </a:fld>
             <a:endParaRPr lang="fr-CA"/>
           </a:p>
@@ -5353,7 +5356,7 @@
           <a:p>
             <a:fld id="{285030BD-A9CB-4642-A2F7-CBDDFBEFA093}" type="datetimeFigureOut">
               <a:rPr lang="fr-CA" smtClean="0"/>
-              <a:t>2017-05-05</a:t>
+              <a:t>2017-05-07</a:t>
             </a:fld>
             <a:endParaRPr lang="fr-CA"/>
           </a:p>
@@ -6214,7 +6217,7 @@
           <a:p>
             <a:fld id="{285030BD-A9CB-4642-A2F7-CBDDFBEFA093}" type="datetimeFigureOut">
               <a:rPr lang="fr-CA" smtClean="0"/>
-              <a:t>2017-05-05</a:t>
+              <a:t>2017-05-07</a:t>
             </a:fld>
             <a:endParaRPr lang="fr-CA"/>
           </a:p>
@@ -6404,7 +6407,7 @@
           <a:p>
             <a:fld id="{285030BD-A9CB-4642-A2F7-CBDDFBEFA093}" type="datetimeFigureOut">
               <a:rPr lang="fr-CA" smtClean="0"/>
-              <a:t>2017-05-05</a:t>
+              <a:t>2017-05-07</a:t>
             </a:fld>
             <a:endParaRPr lang="fr-CA"/>
           </a:p>
@@ -7376,7 +7379,7 @@
           <a:p>
             <a:fld id="{285030BD-A9CB-4642-A2F7-CBDDFBEFA093}" type="datetimeFigureOut">
               <a:rPr lang="fr-CA" smtClean="0"/>
-              <a:t>2017-05-05</a:t>
+              <a:t>2017-05-07</a:t>
             </a:fld>
             <a:endParaRPr lang="fr-CA"/>
           </a:p>
@@ -7587,7 +7590,7 @@
           <a:p>
             <a:fld id="{285030BD-A9CB-4642-A2F7-CBDDFBEFA093}" type="datetimeFigureOut">
               <a:rPr lang="fr-CA" smtClean="0"/>
-              <a:t>2017-05-05</a:t>
+              <a:t>2017-05-07</a:t>
             </a:fld>
             <a:endParaRPr lang="fr-CA"/>
           </a:p>
@@ -8621,7 +8624,7 @@
           <a:p>
             <a:fld id="{285030BD-A9CB-4642-A2F7-CBDDFBEFA093}" type="datetimeFigureOut">
               <a:rPr lang="fr-CA" smtClean="0"/>
-              <a:t>2017-05-05</a:t>
+              <a:t>2017-05-07</a:t>
             </a:fld>
             <a:endParaRPr lang="fr-CA"/>
           </a:p>
@@ -8893,7 +8896,7 @@
           <a:p>
             <a:fld id="{285030BD-A9CB-4642-A2F7-CBDDFBEFA093}" type="datetimeFigureOut">
               <a:rPr lang="fr-CA" smtClean="0"/>
-              <a:t>2017-05-05</a:t>
+              <a:t>2017-05-07</a:t>
             </a:fld>
             <a:endParaRPr lang="fr-CA"/>
           </a:p>
@@ -9303,7 +9306,7 @@
           <a:p>
             <a:fld id="{285030BD-A9CB-4642-A2F7-CBDDFBEFA093}" type="datetimeFigureOut">
               <a:rPr lang="fr-CA" smtClean="0"/>
-              <a:t>2017-05-05</a:t>
+              <a:t>2017-05-07</a:t>
             </a:fld>
             <a:endParaRPr lang="fr-CA"/>
           </a:p>
@@ -9430,7 +9433,7 @@
           <a:p>
             <a:fld id="{285030BD-A9CB-4642-A2F7-CBDDFBEFA093}" type="datetimeFigureOut">
               <a:rPr lang="fr-CA" smtClean="0"/>
-              <a:t>2017-05-05</a:t>
+              <a:t>2017-05-07</a:t>
             </a:fld>
             <a:endParaRPr lang="fr-CA"/>
           </a:p>
@@ -9525,7 +9528,7 @@
           <a:p>
             <a:fld id="{285030BD-A9CB-4642-A2F7-CBDDFBEFA093}" type="datetimeFigureOut">
               <a:rPr lang="fr-CA" smtClean="0"/>
-              <a:t>2017-05-05</a:t>
+              <a:t>2017-05-07</a:t>
             </a:fld>
             <a:endParaRPr lang="fr-CA"/>
           </a:p>
@@ -10606,7 +10609,7 @@
           <a:p>
             <a:fld id="{285030BD-A9CB-4642-A2F7-CBDDFBEFA093}" type="datetimeFigureOut">
               <a:rPr lang="fr-CA" smtClean="0"/>
-              <a:t>2017-05-05</a:t>
+              <a:t>2017-05-07</a:t>
             </a:fld>
             <a:endParaRPr lang="fr-CA"/>
           </a:p>
@@ -11714,7 +11717,7 @@
           <a:p>
             <a:fld id="{285030BD-A9CB-4642-A2F7-CBDDFBEFA093}" type="datetimeFigureOut">
               <a:rPr lang="fr-CA" smtClean="0"/>
-              <a:t>2017-05-05</a:t>
+              <a:t>2017-05-07</a:t>
             </a:fld>
             <a:endParaRPr lang="fr-CA"/>
           </a:p>
@@ -12711,7 +12714,7 @@
           <a:p>
             <a:fld id="{285030BD-A9CB-4642-A2F7-CBDDFBEFA093}" type="datetimeFigureOut">
               <a:rPr lang="fr-CA" smtClean="0"/>
-              <a:t>2017-05-05</a:t>
+              <a:t>2017-05-07</a:t>
             </a:fld>
             <a:endParaRPr lang="fr-CA"/>
           </a:p>
@@ -13386,6 +13389,164 @@
 </p:sld>
 </file>
 
+<file path=ppt/slides/slide10.xml><?xml version="1.0" encoding="utf-8"?>
+<p:sld xmlns:a="http://schemas.openxmlformats.org/drawingml/2006/main" xmlns:r="http://schemas.openxmlformats.org/officeDocument/2006/relationships" xmlns:p="http://schemas.openxmlformats.org/presentationml/2006/main">
+  <p:cSld>
+    <p:spTree>
+      <p:nvGrpSpPr>
+        <p:cNvPr id="1" name=""/>
+        <p:cNvGrpSpPr/>
+        <p:nvPr/>
+      </p:nvGrpSpPr>
+      <p:grpSpPr>
+        <a:xfrm>
+          <a:off x="0" y="0"/>
+          <a:ext cx="0" cy="0"/>
+          <a:chOff x="0" y="0"/>
+          <a:chExt cx="0" cy="0"/>
+        </a:xfrm>
+      </p:grpSpPr>
+      <p:pic>
+        <p:nvPicPr>
+          <p:cNvPr id="2" name="Image 1"/>
+          <p:cNvPicPr>
+            <a:picLocks noChangeAspect="1"/>
+          </p:cNvPicPr>
+          <p:nvPr/>
+        </p:nvPicPr>
+        <p:blipFill>
+          <a:blip r:embed="rId2"/>
+          <a:stretch>
+            <a:fillRect/>
+          </a:stretch>
+        </p:blipFill>
+        <p:spPr>
+          <a:xfrm>
+            <a:off x="1127457" y="304799"/>
+            <a:ext cx="10021805" cy="6376737"/>
+          </a:xfrm>
+          <a:prstGeom prst="rect">
+            <a:avLst/>
+          </a:prstGeom>
+        </p:spPr>
+      </p:pic>
+    </p:spTree>
+    <p:extLst>
+      <p:ext uri="{BB962C8B-B14F-4D97-AF65-F5344CB8AC3E}">
+        <p14:creationId xmlns:p14="http://schemas.microsoft.com/office/powerpoint/2010/main" val="2380555634"/>
+      </p:ext>
+    </p:extLst>
+  </p:cSld>
+  <p:clrMapOvr>
+    <a:masterClrMapping/>
+  </p:clrMapOvr>
+</p:sld>
+</file>
+
+<file path=ppt/slides/slide11.xml><?xml version="1.0" encoding="utf-8"?>
+<p:sld xmlns:a="http://schemas.openxmlformats.org/drawingml/2006/main" xmlns:r="http://schemas.openxmlformats.org/officeDocument/2006/relationships" xmlns:p="http://schemas.openxmlformats.org/presentationml/2006/main">
+  <p:cSld>
+    <p:spTree>
+      <p:nvGrpSpPr>
+        <p:cNvPr id="1" name=""/>
+        <p:cNvGrpSpPr/>
+        <p:nvPr/>
+      </p:nvGrpSpPr>
+      <p:grpSpPr>
+        <a:xfrm>
+          <a:off x="0" y="0"/>
+          <a:ext cx="0" cy="0"/>
+          <a:chOff x="0" y="0"/>
+          <a:chExt cx="0" cy="0"/>
+        </a:xfrm>
+      </p:grpSpPr>
+      <p:sp>
+        <p:nvSpPr>
+          <p:cNvPr id="2" name="Titre 1"/>
+          <p:cNvSpPr>
+            <a:spLocks noGrp="1"/>
+          </p:cNvSpPr>
+          <p:nvPr>
+            <p:ph type="title"/>
+          </p:nvPr>
+        </p:nvSpPr>
+        <p:spPr/>
+        <p:txBody>
+          <a:bodyPr/>
+          <a:lstStyle/>
+          <a:p>
+            <a:pPr algn="ctr"/>
+            <a:r>
+              <a:rPr lang="fr-CA" sz="5400" dirty="0"/>
+              <a:t>Conclusion</a:t>
+            </a:r>
+          </a:p>
+        </p:txBody>
+      </p:sp>
+      <p:sp>
+        <p:nvSpPr>
+          <p:cNvPr id="3" name="Espace réservé du contenu 2"/>
+          <p:cNvSpPr>
+            <a:spLocks noGrp="1"/>
+          </p:cNvSpPr>
+          <p:nvPr>
+            <p:ph idx="1"/>
+          </p:nvPr>
+        </p:nvSpPr>
+        <p:spPr/>
+        <p:txBody>
+          <a:bodyPr>
+            <a:normAutofit/>
+          </a:bodyPr>
+          <a:lstStyle/>
+          <a:p>
+            <a:r>
+              <a:rPr lang="fr-CA" sz="2400" dirty="0"/>
+              <a:t>Software</a:t>
+            </a:r>
+          </a:p>
+          <a:p>
+            <a:endParaRPr lang="fr-CA" sz="2400" dirty="0"/>
+          </a:p>
+          <a:p>
+            <a:r>
+              <a:rPr lang="fr-CA" sz="2400" dirty="0"/>
+              <a:t>Hardware</a:t>
+            </a:r>
+          </a:p>
+          <a:p>
+            <a:endParaRPr lang="fr-CA" sz="2400" dirty="0"/>
+          </a:p>
+          <a:p>
+            <a:r>
+              <a:rPr lang="fr-CA" sz="2400" dirty="0"/>
+              <a:t>Concurrents</a:t>
+            </a:r>
+          </a:p>
+          <a:p>
+            <a:endParaRPr lang="fr-CA" sz="2400" dirty="0"/>
+          </a:p>
+          <a:p>
+            <a:r>
+              <a:rPr lang="fr-CA" sz="2400" dirty="0"/>
+              <a:t>Communauté</a:t>
+            </a:r>
+          </a:p>
+        </p:txBody>
+      </p:sp>
+    </p:spTree>
+    <p:extLst>
+      <p:ext uri="{BB962C8B-B14F-4D97-AF65-F5344CB8AC3E}">
+        <p14:creationId xmlns:p14="http://schemas.microsoft.com/office/powerpoint/2010/main" val="2614008673"/>
+      </p:ext>
+    </p:extLst>
+  </p:cSld>
+  <p:clrMapOvr>
+    <a:masterClrMapping/>
+  </p:clrMapOvr>
+</p:sld>
+</file>
+
 <file path=ppt/slides/slide2.xml><?xml version="1.0" encoding="utf-8"?>
 <p:sld xmlns:a="http://schemas.openxmlformats.org/drawingml/2006/main" xmlns:r="http://schemas.openxmlformats.org/officeDocument/2006/relationships" xmlns:p="http://schemas.openxmlformats.org/presentationml/2006/main">
   <p:cSld>
@@ -13926,7 +14087,7 @@
           <a:graphicData uri="http://schemas.openxmlformats.org/presentationml/2006/ole">
             <mc:AlternateContent xmlns:mc="http://schemas.openxmlformats.org/markup-compatibility/2006">
               <mc:Choice xmlns:v="urn:schemas-microsoft-com:vml" Requires="v">
-                <p:oleObj spid="_x0000_s4103" name="Image" r:id="rId3" imgW="6971400" imgH="4809240" progId="Photoshop.Image.18">
+                <p:oleObj spid="_x0000_s4106" name="Image" r:id="rId3" imgW="6971400" imgH="4809240" progId="Photoshop.Image.18">
                   <p:embed/>
                 </p:oleObj>
               </mc:Choice>
@@ -14689,7 +14850,12 @@
             <p:ph idx="1"/>
           </p:nvPr>
         </p:nvSpPr>
-        <p:spPr/>
+        <p:spPr>
+          <a:xfrm>
+            <a:off x="1154954" y="2229853"/>
+            <a:ext cx="8825659" cy="4628147"/>
+          </a:xfrm>
+        </p:spPr>
         <p:txBody>
           <a:bodyPr>
             <a:noAutofit/>
@@ -14727,6 +14893,16 @@
               <a:rPr lang="fr-CA" sz="2500" dirty="0"/>
               <a:t>Ventes</a:t>
             </a:r>
+          </a:p>
+          <a:p>
+            <a:endParaRPr lang="fr-CA" sz="2500" dirty="0"/>
+          </a:p>
+          <a:p>
+            <a:r>
+              <a:rPr lang="fr-CA" sz="2500" dirty="0" err="1"/>
+              <a:t>Jams</a:t>
+            </a:r>
+            <a:endParaRPr lang="fr-CA" sz="2500" dirty="0"/>
           </a:p>
         </p:txBody>
       </p:sp>
@@ -14760,73 +14936,88 @@
           <a:chExt cx="0" cy="0"/>
         </a:xfrm>
       </p:grpSpPr>
-      <p:sp>
-        <p:nvSpPr>
-          <p:cNvPr id="2" name="Titre 1"/>
-          <p:cNvSpPr>
-            <a:spLocks noGrp="1"/>
-          </p:cNvSpPr>
-          <p:nvPr>
-            <p:ph type="title"/>
-          </p:nvPr>
-        </p:nvSpPr>
-        <p:spPr/>
-        <p:txBody>
-          <a:bodyPr/>
-          <a:lstStyle/>
-          <a:p>
-            <a:pPr algn="ctr"/>
-            <a:r>
-              <a:rPr lang="fr-CA" sz="5400" dirty="0"/>
-              <a:t>Conclusion</a:t>
-            </a:r>
-          </a:p>
-        </p:txBody>
-      </p:sp>
-      <p:sp>
-        <p:nvSpPr>
-          <p:cNvPr id="3" name="Espace réservé du contenu 2"/>
-          <p:cNvSpPr>
-            <a:spLocks noGrp="1"/>
-          </p:cNvSpPr>
-          <p:nvPr>
-            <p:ph idx="1"/>
-          </p:nvPr>
-        </p:nvSpPr>
-        <p:spPr/>
-        <p:txBody>
-          <a:bodyPr/>
-          <a:lstStyle/>
-          <a:p>
-            <a:r>
-              <a:rPr lang="fr-CA" dirty="0"/>
-              <a:t>Software</a:t>
-            </a:r>
-          </a:p>
-          <a:p>
-            <a:r>
-              <a:rPr lang="fr-CA" dirty="0"/>
-              <a:t>Hardware</a:t>
-            </a:r>
-          </a:p>
-          <a:p>
-            <a:r>
-              <a:rPr lang="fr-CA" dirty="0"/>
-              <a:t>Concurrents</a:t>
-            </a:r>
-          </a:p>
-          <a:p>
-            <a:r>
-              <a:rPr lang="fr-CA" dirty="0"/>
-              <a:t>Communauté</a:t>
-            </a:r>
-          </a:p>
-        </p:txBody>
-      </p:sp>
+      <p:pic>
+        <p:nvPicPr>
+          <p:cNvPr id="2" name="Image 1"/>
+          <p:cNvPicPr>
+            <a:picLocks noChangeAspect="1"/>
+          </p:cNvPicPr>
+          <p:nvPr/>
+        </p:nvPicPr>
+        <p:blipFill>
+          <a:blip r:embed="rId2"/>
+          <a:stretch>
+            <a:fillRect/>
+          </a:stretch>
+        </p:blipFill>
+        <p:spPr>
+          <a:xfrm>
+            <a:off x="1235242" y="413985"/>
+            <a:ext cx="9946106" cy="6123173"/>
+          </a:xfrm>
+          <a:prstGeom prst="rect">
+            <a:avLst/>
+          </a:prstGeom>
+        </p:spPr>
+      </p:pic>
     </p:spTree>
     <p:extLst>
       <p:ext uri="{BB962C8B-B14F-4D97-AF65-F5344CB8AC3E}">
-        <p14:creationId xmlns:p14="http://schemas.microsoft.com/office/powerpoint/2010/main" val="2614008673"/>
+        <p14:creationId xmlns:p14="http://schemas.microsoft.com/office/powerpoint/2010/main" val="1736121272"/>
+      </p:ext>
+    </p:extLst>
+  </p:cSld>
+  <p:clrMapOvr>
+    <a:masterClrMapping/>
+  </p:clrMapOvr>
+</p:sld>
+</file>
+
+<file path=ppt/slides/slide9.xml><?xml version="1.0" encoding="utf-8"?>
+<p:sld xmlns:a="http://schemas.openxmlformats.org/drawingml/2006/main" xmlns:r="http://schemas.openxmlformats.org/officeDocument/2006/relationships" xmlns:p="http://schemas.openxmlformats.org/presentationml/2006/main">
+  <p:cSld>
+    <p:spTree>
+      <p:nvGrpSpPr>
+        <p:cNvPr id="1" name=""/>
+        <p:cNvGrpSpPr/>
+        <p:nvPr/>
+      </p:nvGrpSpPr>
+      <p:grpSpPr>
+        <a:xfrm>
+          <a:off x="0" y="0"/>
+          <a:ext cx="0" cy="0"/>
+          <a:chOff x="0" y="0"/>
+          <a:chExt cx="0" cy="0"/>
+        </a:xfrm>
+      </p:grpSpPr>
+      <p:pic>
+        <p:nvPicPr>
+          <p:cNvPr id="2" name="Image 1"/>
+          <p:cNvPicPr>
+            <a:picLocks noChangeAspect="1"/>
+          </p:cNvPicPr>
+          <p:nvPr/>
+        </p:nvPicPr>
+        <p:blipFill>
+          <a:blip r:embed="rId2"/>
+          <a:stretch>
+            <a:fillRect/>
+          </a:stretch>
+        </p:blipFill>
+        <p:spPr>
+          <a:xfrm>
+            <a:off x="2079206" y="1"/>
+            <a:ext cx="7812297" cy="6858000"/>
+          </a:xfrm>
+          <a:prstGeom prst="rect">
+            <a:avLst/>
+          </a:prstGeom>
+        </p:spPr>
+      </p:pic>
+    </p:spTree>
+    <p:extLst>
+      <p:ext uri="{BB962C8B-B14F-4D97-AF65-F5344CB8AC3E}">
+        <p14:creationId xmlns:p14="http://schemas.microsoft.com/office/powerpoint/2010/main" val="1546020923"/>
       </p:ext>
     </p:extLst>
   </p:cSld>
